--- a/Distributed Robotic Beamforming/Alex Slides/jan 24 2023.pptx
+++ b/Distributed Robotic Beamforming/Alex Slides/jan 24 2023.pptx
@@ -10,11 +10,17 @@
     <p:sldId id="259" r:id="rId4"/>
     <p:sldId id="260" r:id="rId5"/>
     <p:sldId id="258" r:id="rId6"/>
-    <p:sldId id="261" r:id="rId7"/>
-    <p:sldId id="262" r:id="rId8"/>
-    <p:sldId id="264" r:id="rId9"/>
-    <p:sldId id="265" r:id="rId10"/>
-    <p:sldId id="263" r:id="rId11"/>
+    <p:sldId id="266" r:id="rId7"/>
+    <p:sldId id="267" r:id="rId8"/>
+    <p:sldId id="268" r:id="rId9"/>
+    <p:sldId id="269" r:id="rId10"/>
+    <p:sldId id="270" r:id="rId11"/>
+    <p:sldId id="271" r:id="rId12"/>
+    <p:sldId id="261" r:id="rId13"/>
+    <p:sldId id="262" r:id="rId14"/>
+    <p:sldId id="264" r:id="rId15"/>
+    <p:sldId id="265" r:id="rId16"/>
+    <p:sldId id="263" r:id="rId17"/>
   </p:sldIdLst>
   <p:sldSz cx="12192000" cy="6858000"/>
   <p:notesSz cx="6858000" cy="9144000"/>
@@ -279,7 +285,7 @@
           <a:p>
             <a:fld id="{5339E580-613C-44E7-A475-539CB103F484}" type="datetimeFigureOut">
               <a:rPr lang="en-US" smtClean="0"/>
-              <a:t>1/23/2023</a:t>
+              <a:t>1/31/2023</a:t>
             </a:fld>
             <a:endParaRPr lang="en-US"/>
           </a:p>
@@ -477,7 +483,7 @@
           <a:p>
             <a:fld id="{5339E580-613C-44E7-A475-539CB103F484}" type="datetimeFigureOut">
               <a:rPr lang="en-US" smtClean="0"/>
-              <a:t>1/23/2023</a:t>
+              <a:t>1/31/2023</a:t>
             </a:fld>
             <a:endParaRPr lang="en-US"/>
           </a:p>
@@ -685,7 +691,7 @@
           <a:p>
             <a:fld id="{5339E580-613C-44E7-A475-539CB103F484}" type="datetimeFigureOut">
               <a:rPr lang="en-US" smtClean="0"/>
-              <a:t>1/23/2023</a:t>
+              <a:t>1/31/2023</a:t>
             </a:fld>
             <a:endParaRPr lang="en-US"/>
           </a:p>
@@ -883,7 +889,7 @@
           <a:p>
             <a:fld id="{5339E580-613C-44E7-A475-539CB103F484}" type="datetimeFigureOut">
               <a:rPr lang="en-US" smtClean="0"/>
-              <a:t>1/23/2023</a:t>
+              <a:t>1/31/2023</a:t>
             </a:fld>
             <a:endParaRPr lang="en-US"/>
           </a:p>
@@ -1158,7 +1164,7 @@
           <a:p>
             <a:fld id="{5339E580-613C-44E7-A475-539CB103F484}" type="datetimeFigureOut">
               <a:rPr lang="en-US" smtClean="0"/>
-              <a:t>1/23/2023</a:t>
+              <a:t>1/31/2023</a:t>
             </a:fld>
             <a:endParaRPr lang="en-US"/>
           </a:p>
@@ -1423,7 +1429,7 @@
           <a:p>
             <a:fld id="{5339E580-613C-44E7-A475-539CB103F484}" type="datetimeFigureOut">
               <a:rPr lang="en-US" smtClean="0"/>
-              <a:t>1/23/2023</a:t>
+              <a:t>1/31/2023</a:t>
             </a:fld>
             <a:endParaRPr lang="en-US"/>
           </a:p>
@@ -1835,7 +1841,7 @@
           <a:p>
             <a:fld id="{5339E580-613C-44E7-A475-539CB103F484}" type="datetimeFigureOut">
               <a:rPr lang="en-US" smtClean="0"/>
-              <a:t>1/23/2023</a:t>
+              <a:t>1/31/2023</a:t>
             </a:fld>
             <a:endParaRPr lang="en-US"/>
           </a:p>
@@ -1976,7 +1982,7 @@
           <a:p>
             <a:fld id="{5339E580-613C-44E7-A475-539CB103F484}" type="datetimeFigureOut">
               <a:rPr lang="en-US" smtClean="0"/>
-              <a:t>1/23/2023</a:t>
+              <a:t>1/31/2023</a:t>
             </a:fld>
             <a:endParaRPr lang="en-US"/>
           </a:p>
@@ -2089,7 +2095,7 @@
           <a:p>
             <a:fld id="{5339E580-613C-44E7-A475-539CB103F484}" type="datetimeFigureOut">
               <a:rPr lang="en-US" smtClean="0"/>
-              <a:t>1/23/2023</a:t>
+              <a:t>1/31/2023</a:t>
             </a:fld>
             <a:endParaRPr lang="en-US"/>
           </a:p>
@@ -2400,7 +2406,7 @@
           <a:p>
             <a:fld id="{5339E580-613C-44E7-A475-539CB103F484}" type="datetimeFigureOut">
               <a:rPr lang="en-US" smtClean="0"/>
-              <a:t>1/23/2023</a:t>
+              <a:t>1/31/2023</a:t>
             </a:fld>
             <a:endParaRPr lang="en-US"/>
           </a:p>
@@ -2688,7 +2694,7 @@
           <a:p>
             <a:fld id="{5339E580-613C-44E7-A475-539CB103F484}" type="datetimeFigureOut">
               <a:rPr lang="en-US" smtClean="0"/>
-              <a:t>1/23/2023</a:t>
+              <a:t>1/31/2023</a:t>
             </a:fld>
             <a:endParaRPr lang="en-US"/>
           </a:p>
@@ -2929,7 +2935,7 @@
           <a:p>
             <a:fld id="{5339E580-613C-44E7-A475-539CB103F484}" type="datetimeFigureOut">
               <a:rPr lang="en-US" smtClean="0"/>
-              <a:t>1/23/2023</a:t>
+              <a:t>1/31/2023</a:t>
             </a:fld>
             <a:endParaRPr lang="en-US"/>
           </a:p>
@@ -3496,6 +3502,1077 @@
           <a:chExt cx="0" cy="0"/>
         </a:xfrm>
       </p:grpSpPr>
+      <p:pic>
+        <p:nvPicPr>
+          <p:cNvPr id="7" name="Picture 6" descr="Chart, line chart&#10;&#10;Description automatically generated">
+            <a:extLst>
+              <a:ext uri="{FF2B5EF4-FFF2-40B4-BE49-F238E27FC236}">
+                <a16:creationId xmlns:a16="http://schemas.microsoft.com/office/drawing/2014/main" id="{4AB749BD-C521-3229-48EB-D7231AEC525F}"/>
+              </a:ext>
+            </a:extLst>
+          </p:cNvPr>
+          <p:cNvPicPr>
+            <a:picLocks noChangeAspect="1"/>
+          </p:cNvPicPr>
+          <p:nvPr/>
+        </p:nvPicPr>
+        <p:blipFill rotWithShape="1">
+          <a:blip r:embed="rId2">
+            <a:extLst>
+              <a:ext uri="{28A0092B-C50C-407E-A947-70E740481C1C}">
+                <a14:useLocalDpi xmlns:a14="http://schemas.microsoft.com/office/drawing/2010/main" val="0"/>
+              </a:ext>
+            </a:extLst>
+          </a:blip>
+          <a:srcRect l="3179" r="7478"/>
+          <a:stretch/>
+        </p:blipFill>
+        <p:spPr>
+          <a:xfrm>
+            <a:off x="6754674" y="369494"/>
+            <a:ext cx="3991624" cy="3350823"/>
+          </a:xfrm>
+          <a:prstGeom prst="rect">
+            <a:avLst/>
+          </a:prstGeom>
+        </p:spPr>
+      </p:pic>
+      <p:sp>
+        <p:nvSpPr>
+          <p:cNvPr id="6" name="TextBox 5">
+            <a:extLst>
+              <a:ext uri="{FF2B5EF4-FFF2-40B4-BE49-F238E27FC236}">
+                <a16:creationId xmlns:a16="http://schemas.microsoft.com/office/drawing/2014/main" id="{AC457FE2-5A25-FE4A-F315-0330DE57F93C}"/>
+              </a:ext>
+            </a:extLst>
+          </p:cNvPr>
+          <p:cNvSpPr txBox="1"/>
+          <p:nvPr/>
+        </p:nvSpPr>
+        <p:spPr>
+          <a:xfrm>
+            <a:off x="0" y="0"/>
+            <a:ext cx="7501477" cy="646331"/>
+          </a:xfrm>
+          <a:prstGeom prst="rect">
+            <a:avLst/>
+          </a:prstGeom>
+          <a:noFill/>
+        </p:spPr>
+        <p:txBody>
+          <a:bodyPr wrap="none" rtlCol="0">
+            <a:spAutoFit/>
+          </a:bodyPr>
+          <a:lstStyle/>
+          <a:p>
+            <a:pPr marL="285750" indent="-285750">
+              <a:buFont typeface="Arial" panose="020B0604020202020204" pitchFamily="34" charset="0"/>
+              <a:buChar char="•"/>
+            </a:pPr>
+            <a:r>
+              <a:rPr lang="en-US" dirty="0"/>
+              <a:t>Got working implementation of IPG for agent positions</a:t>
+            </a:r>
+          </a:p>
+          <a:p>
+            <a:pPr marL="285750" indent="-285750">
+              <a:buFont typeface="Arial" panose="020B0604020202020204" pitchFamily="34" charset="0"/>
+              <a:buChar char="•"/>
+            </a:pPr>
+            <a:r>
+              <a:rPr lang="en-US" dirty="0"/>
+              <a:t>Algorithm Error never diverges but agents traverse the cost function poorly</a:t>
+            </a:r>
+          </a:p>
+        </p:txBody>
+      </p:sp>
+      <p:pic>
+        <p:nvPicPr>
+          <p:cNvPr id="3" name="Picture 2" descr="Chart, scatter chart&#10;&#10;Description automatically generated">
+            <a:extLst>
+              <a:ext uri="{FF2B5EF4-FFF2-40B4-BE49-F238E27FC236}">
+                <a16:creationId xmlns:a16="http://schemas.microsoft.com/office/drawing/2014/main" id="{CBB053E1-CD72-37CD-CA1E-02B6F871F7B7}"/>
+              </a:ext>
+            </a:extLst>
+          </p:cNvPr>
+          <p:cNvPicPr>
+            <a:picLocks noChangeAspect="1"/>
+          </p:cNvPicPr>
+          <p:nvPr/>
+        </p:nvPicPr>
+        <p:blipFill rotWithShape="1">
+          <a:blip r:embed="rId3">
+            <a:extLst>
+              <a:ext uri="{28A0092B-C50C-407E-A947-70E740481C1C}">
+                <a14:useLocalDpi xmlns:a14="http://schemas.microsoft.com/office/drawing/2010/main" val="0"/>
+              </a:ext>
+            </a:extLst>
+          </a:blip>
+          <a:srcRect l="7741" t="2445" r="7478" b="5276"/>
+          <a:stretch/>
+        </p:blipFill>
+        <p:spPr>
+          <a:xfrm>
+            <a:off x="2525089" y="554051"/>
+            <a:ext cx="3783435" cy="3088518"/>
+          </a:xfrm>
+          <a:prstGeom prst="rect">
+            <a:avLst/>
+          </a:prstGeom>
+        </p:spPr>
+      </p:pic>
+      <p:pic>
+        <p:nvPicPr>
+          <p:cNvPr id="11" name="Picture 10" descr="Chart&#10;&#10;Description automatically generated">
+            <a:extLst>
+              <a:ext uri="{FF2B5EF4-FFF2-40B4-BE49-F238E27FC236}">
+                <a16:creationId xmlns:a16="http://schemas.microsoft.com/office/drawing/2014/main" id="{63CE17CD-8D95-75DE-A73C-AF400399FF6C}"/>
+              </a:ext>
+            </a:extLst>
+          </p:cNvPr>
+          <p:cNvPicPr>
+            <a:picLocks noChangeAspect="1"/>
+          </p:cNvPicPr>
+          <p:nvPr/>
+        </p:nvPicPr>
+        <p:blipFill rotWithShape="1">
+          <a:blip r:embed="rId4">
+            <a:extLst>
+              <a:ext uri="{28A0092B-C50C-407E-A947-70E740481C1C}">
+                <a14:useLocalDpi xmlns:a14="http://schemas.microsoft.com/office/drawing/2010/main" val="0"/>
+              </a:ext>
+            </a:extLst>
+          </a:blip>
+          <a:srcRect t="2026" r="5118"/>
+          <a:stretch/>
+        </p:blipFill>
+        <p:spPr>
+          <a:xfrm>
+            <a:off x="2472636" y="3691155"/>
+            <a:ext cx="4204771" cy="3256395"/>
+          </a:xfrm>
+          <a:prstGeom prst="rect">
+            <a:avLst/>
+          </a:prstGeom>
+        </p:spPr>
+      </p:pic>
+      <p:pic>
+        <p:nvPicPr>
+          <p:cNvPr id="13" name="Picture 12" descr="Chart&#10;&#10;Description automatically generated">
+            <a:extLst>
+              <a:ext uri="{FF2B5EF4-FFF2-40B4-BE49-F238E27FC236}">
+                <a16:creationId xmlns:a16="http://schemas.microsoft.com/office/drawing/2014/main" id="{4DFC03BF-6B08-4076-0EBE-B9B237357EF5}"/>
+              </a:ext>
+            </a:extLst>
+          </p:cNvPr>
+          <p:cNvPicPr>
+            <a:picLocks noChangeAspect="1"/>
+          </p:cNvPicPr>
+          <p:nvPr/>
+        </p:nvPicPr>
+        <p:blipFill>
+          <a:blip r:embed="rId5">
+            <a:extLst>
+              <a:ext uri="{28A0092B-C50C-407E-A947-70E740481C1C}">
+                <a14:useLocalDpi xmlns:a14="http://schemas.microsoft.com/office/drawing/2010/main" val="0"/>
+              </a:ext>
+            </a:extLst>
+          </a:blip>
+          <a:stretch>
+            <a:fillRect/>
+          </a:stretch>
+        </p:blipFill>
+        <p:spPr>
+          <a:xfrm>
+            <a:off x="6897288" y="3792417"/>
+            <a:ext cx="3849010" cy="3065583"/>
+          </a:xfrm>
+          <a:prstGeom prst="rect">
+            <a:avLst/>
+          </a:prstGeom>
+        </p:spPr>
+      </p:pic>
+      <p:sp>
+        <p:nvSpPr>
+          <p:cNvPr id="14" name="TextBox 13">
+            <a:extLst>
+              <a:ext uri="{FF2B5EF4-FFF2-40B4-BE49-F238E27FC236}">
+                <a16:creationId xmlns:a16="http://schemas.microsoft.com/office/drawing/2014/main" id="{E629A4D0-946A-3266-999C-B72049FA4396}"/>
+              </a:ext>
+            </a:extLst>
+          </p:cNvPr>
+          <p:cNvSpPr txBox="1"/>
+          <p:nvPr/>
+        </p:nvSpPr>
+        <p:spPr>
+          <a:xfrm>
+            <a:off x="0" y="3530252"/>
+            <a:ext cx="2681679" cy="2585323"/>
+          </a:xfrm>
+          <a:prstGeom prst="rect">
+            <a:avLst/>
+          </a:prstGeom>
+          <a:noFill/>
+        </p:spPr>
+        <p:txBody>
+          <a:bodyPr wrap="square" rtlCol="0">
+            <a:spAutoFit/>
+          </a:bodyPr>
+          <a:lstStyle/>
+          <a:p>
+            <a:r>
+              <a:rPr lang="en-US" dirty="0"/>
+              <a:t>The behavior comes from the denominator of the cost function having terms containing the square and cube of distance to receivers – next steps are to penalize fast agent motion to make them look for better local positions</a:t>
+            </a:r>
+          </a:p>
+        </p:txBody>
+      </p:sp>
+    </p:spTree>
+    <p:extLst>
+      <p:ext uri="{BB962C8B-B14F-4D97-AF65-F5344CB8AC3E}">
+        <p14:creationId xmlns:p14="http://schemas.microsoft.com/office/powerpoint/2010/main" val="2035781015"/>
+      </p:ext>
+    </p:extLst>
+  </p:cSld>
+  <p:clrMapOvr>
+    <a:masterClrMapping/>
+  </p:clrMapOvr>
+</p:sld>
+</file>
+
+<file path=ppt/slides/slide11.xml><?xml version="1.0" encoding="utf-8"?>
+<p:sld xmlns:a="http://schemas.openxmlformats.org/drawingml/2006/main" xmlns:r="http://schemas.openxmlformats.org/officeDocument/2006/relationships" xmlns:p="http://schemas.openxmlformats.org/presentationml/2006/main">
+  <p:cSld>
+    <p:spTree>
+      <p:nvGrpSpPr>
+        <p:cNvPr id="1" name=""/>
+        <p:cNvGrpSpPr/>
+        <p:nvPr/>
+      </p:nvGrpSpPr>
+      <p:grpSpPr>
+        <a:xfrm>
+          <a:off x="0" y="0"/>
+          <a:ext cx="0" cy="0"/>
+          <a:chOff x="0" y="0"/>
+          <a:chExt cx="0" cy="0"/>
+        </a:xfrm>
+      </p:grpSpPr>
+      <p:sp>
+        <p:nvSpPr>
+          <p:cNvPr id="6" name="TextBox 5">
+            <a:extLst>
+              <a:ext uri="{FF2B5EF4-FFF2-40B4-BE49-F238E27FC236}">
+                <a16:creationId xmlns:a16="http://schemas.microsoft.com/office/drawing/2014/main" id="{AC457FE2-5A25-FE4A-F315-0330DE57F93C}"/>
+              </a:ext>
+            </a:extLst>
+          </p:cNvPr>
+          <p:cNvSpPr txBox="1"/>
+          <p:nvPr/>
+        </p:nvSpPr>
+        <p:spPr>
+          <a:xfrm>
+            <a:off x="0" y="0"/>
+            <a:ext cx="4665957" cy="369332"/>
+          </a:xfrm>
+          <a:prstGeom prst="rect">
+            <a:avLst/>
+          </a:prstGeom>
+          <a:noFill/>
+        </p:spPr>
+        <p:txBody>
+          <a:bodyPr wrap="none" rtlCol="0">
+            <a:spAutoFit/>
+          </a:bodyPr>
+          <a:lstStyle/>
+          <a:p>
+            <a:pPr marL="285750" indent="-285750">
+              <a:buFont typeface="Arial" panose="020B0604020202020204" pitchFamily="34" charset="0"/>
+              <a:buChar char="•"/>
+            </a:pPr>
+            <a:r>
+              <a:rPr lang="en-US" dirty="0"/>
+              <a:t>Reran on 36 node grid data, got same results</a:t>
+            </a:r>
+          </a:p>
+        </p:txBody>
+      </p:sp>
+      <p:pic>
+        <p:nvPicPr>
+          <p:cNvPr id="4" name="Picture 3" descr="Chart, line chart&#10;&#10;Description automatically generated">
+            <a:extLst>
+              <a:ext uri="{FF2B5EF4-FFF2-40B4-BE49-F238E27FC236}">
+                <a16:creationId xmlns:a16="http://schemas.microsoft.com/office/drawing/2014/main" id="{3C05871C-E903-556F-586A-3A0ED1CDABA7}"/>
+              </a:ext>
+            </a:extLst>
+          </p:cNvPr>
+          <p:cNvPicPr>
+            <a:picLocks noChangeAspect="1"/>
+          </p:cNvPicPr>
+          <p:nvPr/>
+        </p:nvPicPr>
+        <p:blipFill rotWithShape="1">
+          <a:blip r:embed="rId2">
+            <a:extLst>
+              <a:ext uri="{28A0092B-C50C-407E-A947-70E740481C1C}">
+                <a14:useLocalDpi xmlns:a14="http://schemas.microsoft.com/office/drawing/2010/main" val="0"/>
+              </a:ext>
+            </a:extLst>
+          </a:blip>
+          <a:srcRect l="2708" t="2026" r="7950"/>
+          <a:stretch/>
+        </p:blipFill>
+        <p:spPr>
+          <a:xfrm>
+            <a:off x="5796793" y="369332"/>
+            <a:ext cx="3926687" cy="3229545"/>
+          </a:xfrm>
+          <a:prstGeom prst="rect">
+            <a:avLst/>
+          </a:prstGeom>
+        </p:spPr>
+      </p:pic>
+      <p:pic>
+        <p:nvPicPr>
+          <p:cNvPr id="8" name="Picture 7" descr="Chart, scatter chart&#10;&#10;Description automatically generated">
+            <a:extLst>
+              <a:ext uri="{FF2B5EF4-FFF2-40B4-BE49-F238E27FC236}">
+                <a16:creationId xmlns:a16="http://schemas.microsoft.com/office/drawing/2014/main" id="{CD60D357-2410-BE8C-F2FD-2B8672280D69}"/>
+              </a:ext>
+            </a:extLst>
+          </p:cNvPr>
+          <p:cNvPicPr>
+            <a:picLocks noChangeAspect="1"/>
+          </p:cNvPicPr>
+          <p:nvPr/>
+        </p:nvPicPr>
+        <p:blipFill rotWithShape="1">
+          <a:blip r:embed="rId3">
+            <a:extLst>
+              <a:ext uri="{28A0092B-C50C-407E-A947-70E740481C1C}">
+                <a14:useLocalDpi xmlns:a14="http://schemas.microsoft.com/office/drawing/2010/main" val="0"/>
+              </a:ext>
+            </a:extLst>
+          </a:blip>
+          <a:srcRect l="4092" t="3284" r="8422"/>
+          <a:stretch/>
+        </p:blipFill>
+        <p:spPr>
+          <a:xfrm>
+            <a:off x="5917876" y="3699545"/>
+            <a:ext cx="3684519" cy="3054916"/>
+          </a:xfrm>
+          <a:prstGeom prst="rect">
+            <a:avLst/>
+          </a:prstGeom>
+        </p:spPr>
+      </p:pic>
+      <p:pic>
+        <p:nvPicPr>
+          <p:cNvPr id="10" name="Picture 9" descr="Chart, scatter chart&#10;&#10;Description automatically generated">
+            <a:extLst>
+              <a:ext uri="{FF2B5EF4-FFF2-40B4-BE49-F238E27FC236}">
+                <a16:creationId xmlns:a16="http://schemas.microsoft.com/office/drawing/2014/main" id="{253EF227-3D10-AB46-C74C-2C789464DD11}"/>
+              </a:ext>
+            </a:extLst>
+          </p:cNvPr>
+          <p:cNvPicPr>
+            <a:picLocks noChangeAspect="1"/>
+          </p:cNvPicPr>
+          <p:nvPr/>
+        </p:nvPicPr>
+        <p:blipFill rotWithShape="1">
+          <a:blip r:embed="rId4">
+            <a:extLst>
+              <a:ext uri="{28A0092B-C50C-407E-A947-70E740481C1C}">
+                <a14:useLocalDpi xmlns:a14="http://schemas.microsoft.com/office/drawing/2010/main" val="0"/>
+              </a:ext>
+            </a:extLst>
+          </a:blip>
+          <a:srcRect l="5664" t="2445" r="6849" b="6115"/>
+          <a:stretch/>
+        </p:blipFill>
+        <p:spPr>
+          <a:xfrm>
+            <a:off x="1357339" y="402701"/>
+            <a:ext cx="3860614" cy="3026299"/>
+          </a:xfrm>
+          <a:prstGeom prst="rect">
+            <a:avLst/>
+          </a:prstGeom>
+        </p:spPr>
+      </p:pic>
+      <p:pic>
+        <p:nvPicPr>
+          <p:cNvPr id="14" name="Picture 13" descr="Chart&#10;&#10;Description automatically generated">
+            <a:extLst>
+              <a:ext uri="{FF2B5EF4-FFF2-40B4-BE49-F238E27FC236}">
+                <a16:creationId xmlns:a16="http://schemas.microsoft.com/office/drawing/2014/main" id="{B5BD574B-DD0B-36E2-4490-7A1FB77C0679}"/>
+              </a:ext>
+            </a:extLst>
+          </p:cNvPr>
+          <p:cNvPicPr>
+            <a:picLocks noChangeAspect="1"/>
+          </p:cNvPicPr>
+          <p:nvPr/>
+        </p:nvPicPr>
+        <p:blipFill rotWithShape="1">
+          <a:blip r:embed="rId5">
+            <a:extLst>
+              <a:ext uri="{28A0092B-C50C-407E-A947-70E740481C1C}">
+                <a14:useLocalDpi xmlns:a14="http://schemas.microsoft.com/office/drawing/2010/main" val="0"/>
+              </a:ext>
+            </a:extLst>
+          </a:blip>
+          <a:srcRect r="4458"/>
+          <a:stretch/>
+        </p:blipFill>
+        <p:spPr>
+          <a:xfrm>
+            <a:off x="1357339" y="3495338"/>
+            <a:ext cx="4151764" cy="3259123"/>
+          </a:xfrm>
+          <a:prstGeom prst="rect">
+            <a:avLst/>
+          </a:prstGeom>
+        </p:spPr>
+      </p:pic>
+    </p:spTree>
+    <p:extLst>
+      <p:ext uri="{BB962C8B-B14F-4D97-AF65-F5344CB8AC3E}">
+        <p14:creationId xmlns:p14="http://schemas.microsoft.com/office/powerpoint/2010/main" val="1614094977"/>
+      </p:ext>
+    </p:extLst>
+  </p:cSld>
+  <p:clrMapOvr>
+    <a:masterClrMapping/>
+  </p:clrMapOvr>
+</p:sld>
+</file>
+
+<file path=ppt/slides/slide12.xml><?xml version="1.0" encoding="utf-8"?>
+<p:sld xmlns:a="http://schemas.openxmlformats.org/drawingml/2006/main" xmlns:r="http://schemas.openxmlformats.org/officeDocument/2006/relationships" xmlns:p="http://schemas.openxmlformats.org/presentationml/2006/main">
+  <p:cSld>
+    <p:spTree>
+      <p:nvGrpSpPr>
+        <p:cNvPr id="1" name=""/>
+        <p:cNvGrpSpPr/>
+        <p:nvPr/>
+      </p:nvGrpSpPr>
+      <p:grpSpPr>
+        <a:xfrm>
+          <a:off x="0" y="0"/>
+          <a:ext cx="0" cy="0"/>
+          <a:chOff x="0" y="0"/>
+          <a:chExt cx="0" cy="0"/>
+        </a:xfrm>
+      </p:grpSpPr>
+      <p:sp>
+        <p:nvSpPr>
+          <p:cNvPr id="2" name="Title 1">
+            <a:extLst>
+              <a:ext uri="{FF2B5EF4-FFF2-40B4-BE49-F238E27FC236}">
+                <a16:creationId xmlns:a16="http://schemas.microsoft.com/office/drawing/2014/main" id="{70B35862-84A9-1B94-E901-9135D21918BB}"/>
+              </a:ext>
+            </a:extLst>
+          </p:cNvPr>
+          <p:cNvSpPr>
+            <a:spLocks noGrp="1"/>
+          </p:cNvSpPr>
+          <p:nvPr>
+            <p:ph type="title"/>
+          </p:nvPr>
+        </p:nvSpPr>
+        <p:spPr/>
+        <p:txBody>
+          <a:bodyPr/>
+          <a:lstStyle/>
+          <a:p>
+            <a:endParaRPr lang="en-US"/>
+          </a:p>
+        </p:txBody>
+      </p:sp>
+      <p:sp>
+        <p:nvSpPr>
+          <p:cNvPr id="3" name="Content Placeholder 2">
+            <a:extLst>
+              <a:ext uri="{FF2B5EF4-FFF2-40B4-BE49-F238E27FC236}">
+                <a16:creationId xmlns:a16="http://schemas.microsoft.com/office/drawing/2014/main" id="{63735F6A-4CA9-B5AA-BCC2-048264E287DD}"/>
+              </a:ext>
+            </a:extLst>
+          </p:cNvPr>
+          <p:cNvSpPr>
+            <a:spLocks noGrp="1"/>
+          </p:cNvSpPr>
+          <p:nvPr>
+            <p:ph idx="1"/>
+          </p:nvPr>
+        </p:nvSpPr>
+        <p:spPr>
+          <a:xfrm>
+            <a:off x="0" y="0"/>
+            <a:ext cx="10515600" cy="4351338"/>
+          </a:xfrm>
+        </p:spPr>
+        <p:txBody>
+          <a:bodyPr/>
+          <a:lstStyle/>
+          <a:p>
+            <a:r>
+              <a:rPr lang="en-US" dirty="0"/>
+              <a:t>Noiseless Flat Beampattern w/ 22 Tx</a:t>
+            </a:r>
+          </a:p>
+        </p:txBody>
+      </p:sp>
+      <p:pic>
+        <p:nvPicPr>
+          <p:cNvPr id="6" name="Picture 5" descr="Chart, line chart&#10;&#10;Description automatically generated">
+            <a:extLst>
+              <a:ext uri="{FF2B5EF4-FFF2-40B4-BE49-F238E27FC236}">
+                <a16:creationId xmlns:a16="http://schemas.microsoft.com/office/drawing/2014/main" id="{784E9A33-81D4-D7E5-A2F7-51BE7F67FEB7}"/>
+              </a:ext>
+            </a:extLst>
+          </p:cNvPr>
+          <p:cNvPicPr>
+            <a:picLocks noChangeAspect="1"/>
+          </p:cNvPicPr>
+          <p:nvPr/>
+        </p:nvPicPr>
+        <p:blipFill rotWithShape="1">
+          <a:blip r:embed="rId2">
+            <a:extLst>
+              <a:ext uri="{28A0092B-C50C-407E-A947-70E740481C1C}">
+                <a14:useLocalDpi xmlns:a14="http://schemas.microsoft.com/office/drawing/2010/main" val="0"/>
+              </a:ext>
+            </a:extLst>
+          </a:blip>
+          <a:srcRect l="7656" r="8751"/>
+          <a:stretch/>
+        </p:blipFill>
+        <p:spPr>
+          <a:xfrm>
+            <a:off x="4400550" y="3351848"/>
+            <a:ext cx="7791450" cy="3506152"/>
+          </a:xfrm>
+          <a:prstGeom prst="rect">
+            <a:avLst/>
+          </a:prstGeom>
+        </p:spPr>
+      </p:pic>
+      <p:pic>
+        <p:nvPicPr>
+          <p:cNvPr id="8" name="Picture 7" descr="Chart, line chart&#10;&#10;Description automatically generated">
+            <a:extLst>
+              <a:ext uri="{FF2B5EF4-FFF2-40B4-BE49-F238E27FC236}">
+                <a16:creationId xmlns:a16="http://schemas.microsoft.com/office/drawing/2014/main" id="{5A2DF40E-D475-9902-0BD7-8D4CB8E7EA60}"/>
+              </a:ext>
+            </a:extLst>
+          </p:cNvPr>
+          <p:cNvPicPr>
+            <a:picLocks noChangeAspect="1"/>
+          </p:cNvPicPr>
+          <p:nvPr/>
+        </p:nvPicPr>
+        <p:blipFill rotWithShape="1">
+          <a:blip r:embed="rId3">
+            <a:extLst>
+              <a:ext uri="{28A0092B-C50C-407E-A947-70E740481C1C}">
+                <a14:useLocalDpi xmlns:a14="http://schemas.microsoft.com/office/drawing/2010/main" val="0"/>
+              </a:ext>
+            </a:extLst>
+          </a:blip>
+          <a:srcRect l="7734" r="6875"/>
+          <a:stretch/>
+        </p:blipFill>
+        <p:spPr>
+          <a:xfrm>
+            <a:off x="91735" y="365125"/>
+            <a:ext cx="6956765" cy="3064668"/>
+          </a:xfrm>
+          <a:prstGeom prst="rect">
+            <a:avLst/>
+          </a:prstGeom>
+        </p:spPr>
+      </p:pic>
+    </p:spTree>
+    <p:extLst>
+      <p:ext uri="{BB962C8B-B14F-4D97-AF65-F5344CB8AC3E}">
+        <p14:creationId xmlns:p14="http://schemas.microsoft.com/office/powerpoint/2010/main" val="445807490"/>
+      </p:ext>
+    </p:extLst>
+  </p:cSld>
+  <p:clrMapOvr>
+    <a:masterClrMapping/>
+  </p:clrMapOvr>
+</p:sld>
+</file>
+
+<file path=ppt/slides/slide13.xml><?xml version="1.0" encoding="utf-8"?>
+<p:sld xmlns:a="http://schemas.openxmlformats.org/drawingml/2006/main" xmlns:r="http://schemas.openxmlformats.org/officeDocument/2006/relationships" xmlns:p="http://schemas.openxmlformats.org/presentationml/2006/main">
+  <p:cSld>
+    <p:spTree>
+      <p:nvGrpSpPr>
+        <p:cNvPr id="1" name=""/>
+        <p:cNvGrpSpPr/>
+        <p:nvPr/>
+      </p:nvGrpSpPr>
+      <p:grpSpPr>
+        <a:xfrm>
+          <a:off x="0" y="0"/>
+          <a:ext cx="0" cy="0"/>
+          <a:chOff x="0" y="0"/>
+          <a:chExt cx="0" cy="0"/>
+        </a:xfrm>
+      </p:grpSpPr>
+      <p:sp>
+        <p:nvSpPr>
+          <p:cNvPr id="2" name="Title 1">
+            <a:extLst>
+              <a:ext uri="{FF2B5EF4-FFF2-40B4-BE49-F238E27FC236}">
+                <a16:creationId xmlns:a16="http://schemas.microsoft.com/office/drawing/2014/main" id="{70B35862-84A9-1B94-E901-9135D21918BB}"/>
+              </a:ext>
+            </a:extLst>
+          </p:cNvPr>
+          <p:cNvSpPr>
+            <a:spLocks noGrp="1"/>
+          </p:cNvSpPr>
+          <p:nvPr>
+            <p:ph type="title"/>
+          </p:nvPr>
+        </p:nvSpPr>
+        <p:spPr/>
+        <p:txBody>
+          <a:bodyPr/>
+          <a:lstStyle/>
+          <a:p>
+            <a:endParaRPr lang="en-US"/>
+          </a:p>
+        </p:txBody>
+      </p:sp>
+      <p:sp>
+        <p:nvSpPr>
+          <p:cNvPr id="3" name="Content Placeholder 2">
+            <a:extLst>
+              <a:ext uri="{FF2B5EF4-FFF2-40B4-BE49-F238E27FC236}">
+                <a16:creationId xmlns:a16="http://schemas.microsoft.com/office/drawing/2014/main" id="{63735F6A-4CA9-B5AA-BCC2-048264E287DD}"/>
+              </a:ext>
+            </a:extLst>
+          </p:cNvPr>
+          <p:cNvSpPr>
+            <a:spLocks noGrp="1"/>
+          </p:cNvSpPr>
+          <p:nvPr>
+            <p:ph idx="1"/>
+          </p:nvPr>
+        </p:nvSpPr>
+        <p:spPr>
+          <a:xfrm>
+            <a:off x="0" y="0"/>
+            <a:ext cx="10515600" cy="4351338"/>
+          </a:xfrm>
+        </p:spPr>
+        <p:txBody>
+          <a:bodyPr/>
+          <a:lstStyle/>
+          <a:p>
+            <a:r>
+              <a:rPr lang="en-US" dirty="0"/>
+              <a:t>Noiseless Sampled Beampattern w/ 22 Tx</a:t>
+            </a:r>
+          </a:p>
+        </p:txBody>
+      </p:sp>
+      <p:pic>
+        <p:nvPicPr>
+          <p:cNvPr id="5" name="Picture 4" descr="Chart&#10;&#10;Description automatically generated">
+            <a:extLst>
+              <a:ext uri="{FF2B5EF4-FFF2-40B4-BE49-F238E27FC236}">
+                <a16:creationId xmlns:a16="http://schemas.microsoft.com/office/drawing/2014/main" id="{135EF43A-6EAF-AA44-1D86-EEBB8DEDFEA9}"/>
+              </a:ext>
+            </a:extLst>
+          </p:cNvPr>
+          <p:cNvPicPr>
+            <a:picLocks noChangeAspect="1"/>
+          </p:cNvPicPr>
+          <p:nvPr/>
+        </p:nvPicPr>
+        <p:blipFill rotWithShape="1">
+          <a:blip r:embed="rId2">
+            <a:extLst>
+              <a:ext uri="{28A0092B-C50C-407E-A947-70E740481C1C}">
+                <a14:useLocalDpi xmlns:a14="http://schemas.microsoft.com/office/drawing/2010/main" val="0"/>
+              </a:ext>
+            </a:extLst>
+          </a:blip>
+          <a:srcRect l="8750" r="6875"/>
+          <a:stretch/>
+        </p:blipFill>
+        <p:spPr>
+          <a:xfrm>
+            <a:off x="0" y="365126"/>
+            <a:ext cx="6696075" cy="2985333"/>
+          </a:xfrm>
+          <a:prstGeom prst="rect">
+            <a:avLst/>
+          </a:prstGeom>
+        </p:spPr>
+      </p:pic>
+      <p:pic>
+        <p:nvPicPr>
+          <p:cNvPr id="9" name="Picture 8" descr="Chart, line chart&#10;&#10;Description automatically generated">
+            <a:extLst>
+              <a:ext uri="{FF2B5EF4-FFF2-40B4-BE49-F238E27FC236}">
+                <a16:creationId xmlns:a16="http://schemas.microsoft.com/office/drawing/2014/main" id="{EE663977-3F40-FDEF-4C25-620D33D88D2E}"/>
+              </a:ext>
+            </a:extLst>
+          </p:cNvPr>
+          <p:cNvPicPr>
+            <a:picLocks noChangeAspect="1"/>
+          </p:cNvPicPr>
+          <p:nvPr/>
+        </p:nvPicPr>
+        <p:blipFill rotWithShape="1">
+          <a:blip r:embed="rId3">
+            <a:extLst>
+              <a:ext uri="{28A0092B-C50C-407E-A947-70E740481C1C}">
+                <a14:useLocalDpi xmlns:a14="http://schemas.microsoft.com/office/drawing/2010/main" val="0"/>
+              </a:ext>
+            </a:extLst>
+          </a:blip>
+          <a:srcRect l="7657" r="8281"/>
+          <a:stretch/>
+        </p:blipFill>
+        <p:spPr>
+          <a:xfrm>
+            <a:off x="4057651" y="3217955"/>
+            <a:ext cx="8134350" cy="3640045"/>
+          </a:xfrm>
+          <a:prstGeom prst="rect">
+            <a:avLst/>
+          </a:prstGeom>
+        </p:spPr>
+      </p:pic>
+    </p:spTree>
+    <p:extLst>
+      <p:ext uri="{BB962C8B-B14F-4D97-AF65-F5344CB8AC3E}">
+        <p14:creationId xmlns:p14="http://schemas.microsoft.com/office/powerpoint/2010/main" val="2148706509"/>
+      </p:ext>
+    </p:extLst>
+  </p:cSld>
+  <p:clrMapOvr>
+    <a:masterClrMapping/>
+  </p:clrMapOvr>
+</p:sld>
+</file>
+
+<file path=ppt/slides/slide14.xml><?xml version="1.0" encoding="utf-8"?>
+<p:sld xmlns:a="http://schemas.openxmlformats.org/drawingml/2006/main" xmlns:r="http://schemas.openxmlformats.org/officeDocument/2006/relationships" xmlns:p="http://schemas.openxmlformats.org/presentationml/2006/main">
+  <p:cSld>
+    <p:spTree>
+      <p:nvGrpSpPr>
+        <p:cNvPr id="1" name=""/>
+        <p:cNvGrpSpPr/>
+        <p:nvPr/>
+      </p:nvGrpSpPr>
+      <p:grpSpPr>
+        <a:xfrm>
+          <a:off x="0" y="0"/>
+          <a:ext cx="0" cy="0"/>
+          <a:chOff x="0" y="0"/>
+          <a:chExt cx="0" cy="0"/>
+        </a:xfrm>
+      </p:grpSpPr>
+      <p:sp>
+        <p:nvSpPr>
+          <p:cNvPr id="2" name="Title 1">
+            <a:extLst>
+              <a:ext uri="{FF2B5EF4-FFF2-40B4-BE49-F238E27FC236}">
+                <a16:creationId xmlns:a16="http://schemas.microsoft.com/office/drawing/2014/main" id="{70B35862-84A9-1B94-E901-9135D21918BB}"/>
+              </a:ext>
+            </a:extLst>
+          </p:cNvPr>
+          <p:cNvSpPr>
+            <a:spLocks noGrp="1"/>
+          </p:cNvSpPr>
+          <p:nvPr>
+            <p:ph type="title"/>
+          </p:nvPr>
+        </p:nvSpPr>
+        <p:spPr/>
+        <p:txBody>
+          <a:bodyPr/>
+          <a:lstStyle/>
+          <a:p>
+            <a:endParaRPr lang="en-US"/>
+          </a:p>
+        </p:txBody>
+      </p:sp>
+      <p:sp>
+        <p:nvSpPr>
+          <p:cNvPr id="3" name="Content Placeholder 2">
+            <a:extLst>
+              <a:ext uri="{FF2B5EF4-FFF2-40B4-BE49-F238E27FC236}">
+                <a16:creationId xmlns:a16="http://schemas.microsoft.com/office/drawing/2014/main" id="{63735F6A-4CA9-B5AA-BCC2-048264E287DD}"/>
+              </a:ext>
+            </a:extLst>
+          </p:cNvPr>
+          <p:cNvSpPr>
+            <a:spLocks noGrp="1"/>
+          </p:cNvSpPr>
+          <p:nvPr>
+            <p:ph idx="1"/>
+          </p:nvPr>
+        </p:nvSpPr>
+        <p:spPr>
+          <a:xfrm>
+            <a:off x="0" y="0"/>
+            <a:ext cx="10515600" cy="4351338"/>
+          </a:xfrm>
+        </p:spPr>
+        <p:txBody>
+          <a:bodyPr/>
+          <a:lstStyle/>
+          <a:p>
+            <a:r>
+              <a:rPr lang="en-US" dirty="0"/>
+              <a:t>Noisy Sampled Beampattern w/8 Tx</a:t>
+            </a:r>
+          </a:p>
+        </p:txBody>
+      </p:sp>
+      <p:pic>
+        <p:nvPicPr>
+          <p:cNvPr id="6" name="Picture 5" descr="Chart&#10;&#10;Description automatically generated">
+            <a:extLst>
+              <a:ext uri="{FF2B5EF4-FFF2-40B4-BE49-F238E27FC236}">
+                <a16:creationId xmlns:a16="http://schemas.microsoft.com/office/drawing/2014/main" id="{9BA5161F-D54B-1B40-D8CA-854722EA44E7}"/>
+              </a:ext>
+            </a:extLst>
+          </p:cNvPr>
+          <p:cNvPicPr>
+            <a:picLocks noChangeAspect="1"/>
+          </p:cNvPicPr>
+          <p:nvPr/>
+        </p:nvPicPr>
+        <p:blipFill rotWithShape="1">
+          <a:blip r:embed="rId2">
+            <a:extLst>
+              <a:ext uri="{28A0092B-C50C-407E-A947-70E740481C1C}">
+                <a14:useLocalDpi xmlns:a14="http://schemas.microsoft.com/office/drawing/2010/main" val="0"/>
+              </a:ext>
+            </a:extLst>
+          </a:blip>
+          <a:srcRect l="6875" r="8047"/>
+          <a:stretch/>
+        </p:blipFill>
+        <p:spPr>
+          <a:xfrm>
+            <a:off x="0" y="365126"/>
+            <a:ext cx="7000875" cy="3095428"/>
+          </a:xfrm>
+          <a:prstGeom prst="rect">
+            <a:avLst/>
+          </a:prstGeom>
+        </p:spPr>
+      </p:pic>
+      <p:pic>
+        <p:nvPicPr>
+          <p:cNvPr id="8" name="Picture 7" descr="Chart, line chart&#10;&#10;Description automatically generated">
+            <a:extLst>
+              <a:ext uri="{FF2B5EF4-FFF2-40B4-BE49-F238E27FC236}">
+                <a16:creationId xmlns:a16="http://schemas.microsoft.com/office/drawing/2014/main" id="{CBD705DC-A273-C236-13C5-B07C8DDB6354}"/>
+              </a:ext>
+            </a:extLst>
+          </p:cNvPr>
+          <p:cNvPicPr>
+            <a:picLocks noChangeAspect="1"/>
+          </p:cNvPicPr>
+          <p:nvPr/>
+        </p:nvPicPr>
+        <p:blipFill rotWithShape="1">
+          <a:blip r:embed="rId3">
+            <a:extLst>
+              <a:ext uri="{28A0092B-C50C-407E-A947-70E740481C1C}">
+                <a14:useLocalDpi xmlns:a14="http://schemas.microsoft.com/office/drawing/2010/main" val="0"/>
+              </a:ext>
+            </a:extLst>
+          </a:blip>
+          <a:srcRect l="6875" r="8515"/>
+          <a:stretch/>
+        </p:blipFill>
+        <p:spPr>
+          <a:xfrm>
+            <a:off x="4191000" y="3315591"/>
+            <a:ext cx="7967662" cy="3542409"/>
+          </a:xfrm>
+          <a:prstGeom prst="rect">
+            <a:avLst/>
+          </a:prstGeom>
+        </p:spPr>
+      </p:pic>
+    </p:spTree>
+    <p:extLst>
+      <p:ext uri="{BB962C8B-B14F-4D97-AF65-F5344CB8AC3E}">
+        <p14:creationId xmlns:p14="http://schemas.microsoft.com/office/powerpoint/2010/main" val="2456158383"/>
+      </p:ext>
+    </p:extLst>
+  </p:cSld>
+  <p:clrMapOvr>
+    <a:masterClrMapping/>
+  </p:clrMapOvr>
+</p:sld>
+</file>
+
+<file path=ppt/slides/slide15.xml><?xml version="1.0" encoding="utf-8"?>
+<p:sld xmlns:a="http://schemas.openxmlformats.org/drawingml/2006/main" xmlns:r="http://schemas.openxmlformats.org/officeDocument/2006/relationships" xmlns:p="http://schemas.openxmlformats.org/presentationml/2006/main">
+  <p:cSld>
+    <p:spTree>
+      <p:nvGrpSpPr>
+        <p:cNvPr id="1" name=""/>
+        <p:cNvGrpSpPr/>
+        <p:nvPr/>
+      </p:nvGrpSpPr>
+      <p:grpSpPr>
+        <a:xfrm>
+          <a:off x="0" y="0"/>
+          <a:ext cx="0" cy="0"/>
+          <a:chOff x="0" y="0"/>
+          <a:chExt cx="0" cy="0"/>
+        </a:xfrm>
+      </p:grpSpPr>
+      <p:sp>
+        <p:nvSpPr>
+          <p:cNvPr id="3" name="Content Placeholder 2">
+            <a:extLst>
+              <a:ext uri="{FF2B5EF4-FFF2-40B4-BE49-F238E27FC236}">
+                <a16:creationId xmlns:a16="http://schemas.microsoft.com/office/drawing/2014/main" id="{63735F6A-4CA9-B5AA-BCC2-048264E287DD}"/>
+              </a:ext>
+            </a:extLst>
+          </p:cNvPr>
+          <p:cNvSpPr>
+            <a:spLocks noGrp="1"/>
+          </p:cNvSpPr>
+          <p:nvPr>
+            <p:ph idx="1"/>
+          </p:nvPr>
+        </p:nvSpPr>
+        <p:spPr>
+          <a:xfrm>
+            <a:off x="0" y="0"/>
+            <a:ext cx="10515600" cy="4351338"/>
+          </a:xfrm>
+        </p:spPr>
+        <p:txBody>
+          <a:bodyPr/>
+          <a:lstStyle/>
+          <a:p>
+            <a:r>
+              <a:rPr lang="en-US" dirty="0"/>
+              <a:t>Noiseless Sampled Beampattern w/8 Tx</a:t>
+            </a:r>
+          </a:p>
+        </p:txBody>
+      </p:sp>
+      <p:pic>
+        <p:nvPicPr>
+          <p:cNvPr id="5" name="Picture 4" descr="Chart, line chart&#10;&#10;Description automatically generated">
+            <a:extLst>
+              <a:ext uri="{FF2B5EF4-FFF2-40B4-BE49-F238E27FC236}">
+                <a16:creationId xmlns:a16="http://schemas.microsoft.com/office/drawing/2014/main" id="{DB34AC4B-2DE1-8CF9-7EF2-1C02EC8B41B0}"/>
+              </a:ext>
+            </a:extLst>
+          </p:cNvPr>
+          <p:cNvPicPr>
+            <a:picLocks noChangeAspect="1"/>
+          </p:cNvPicPr>
+          <p:nvPr/>
+        </p:nvPicPr>
+        <p:blipFill rotWithShape="1">
+          <a:blip r:embed="rId2">
+            <a:extLst>
+              <a:ext uri="{28A0092B-C50C-407E-A947-70E740481C1C}">
+                <a14:useLocalDpi xmlns:a14="http://schemas.microsoft.com/office/drawing/2010/main" val="0"/>
+              </a:ext>
+            </a:extLst>
+          </a:blip>
+          <a:srcRect l="8125" r="8515"/>
+          <a:stretch/>
+        </p:blipFill>
+        <p:spPr>
+          <a:xfrm>
+            <a:off x="4791075" y="3518220"/>
+            <a:ext cx="7400925" cy="3339780"/>
+          </a:xfrm>
+          <a:prstGeom prst="rect">
+            <a:avLst/>
+          </a:prstGeom>
+        </p:spPr>
+      </p:pic>
+      <p:pic>
+        <p:nvPicPr>
+          <p:cNvPr id="9" name="Picture 8" descr="Chart&#10;&#10;Description automatically generated">
+            <a:extLst>
+              <a:ext uri="{FF2B5EF4-FFF2-40B4-BE49-F238E27FC236}">
+                <a16:creationId xmlns:a16="http://schemas.microsoft.com/office/drawing/2014/main" id="{22B8AB30-21B8-AC46-14C6-11EFCC5FB952}"/>
+              </a:ext>
+            </a:extLst>
+          </p:cNvPr>
+          <p:cNvPicPr>
+            <a:picLocks noChangeAspect="1"/>
+          </p:cNvPicPr>
+          <p:nvPr/>
+        </p:nvPicPr>
+        <p:blipFill rotWithShape="1">
+          <a:blip r:embed="rId3">
+            <a:extLst>
+              <a:ext uri="{28A0092B-C50C-407E-A947-70E740481C1C}">
+                <a14:useLocalDpi xmlns:a14="http://schemas.microsoft.com/office/drawing/2010/main" val="0"/>
+              </a:ext>
+            </a:extLst>
+          </a:blip>
+          <a:srcRect l="7031" r="7734"/>
+          <a:stretch/>
+        </p:blipFill>
+        <p:spPr>
+          <a:xfrm>
+            <a:off x="0" y="381242"/>
+            <a:ext cx="7115175" cy="3140199"/>
+          </a:xfrm>
+          <a:prstGeom prst="rect">
+            <a:avLst/>
+          </a:prstGeom>
+        </p:spPr>
+      </p:pic>
+    </p:spTree>
+    <p:extLst>
+      <p:ext uri="{BB962C8B-B14F-4D97-AF65-F5344CB8AC3E}">
+        <p14:creationId xmlns:p14="http://schemas.microsoft.com/office/powerpoint/2010/main" val="1492626993"/>
+      </p:ext>
+    </p:extLst>
+  </p:cSld>
+  <p:clrMapOvr>
+    <a:masterClrMapping/>
+  </p:clrMapOvr>
+</p:sld>
+</file>
+
+<file path=ppt/slides/slide16.xml><?xml version="1.0" encoding="utf-8"?>
+<p:sld xmlns:a="http://schemas.openxmlformats.org/drawingml/2006/main" xmlns:r="http://schemas.openxmlformats.org/officeDocument/2006/relationships" xmlns:p="http://schemas.openxmlformats.org/presentationml/2006/main">
+  <p:cSld>
+    <p:spTree>
+      <p:nvGrpSpPr>
+        <p:cNvPr id="1" name=""/>
+        <p:cNvGrpSpPr/>
+        <p:nvPr/>
+      </p:nvGrpSpPr>
+      <p:grpSpPr>
+        <a:xfrm>
+          <a:off x="0" y="0"/>
+          <a:ext cx="0" cy="0"/>
+          <a:chOff x="0" y="0"/>
+          <a:chExt cx="0" cy="0"/>
+        </a:xfrm>
+      </p:grpSpPr>
       <p:sp>
         <p:nvSpPr>
           <p:cNvPr id="2" name="Title 1">
@@ -4508,15 +5585,15 @@
           <p:cNvPr id="2" name="Title 1">
             <a:extLst>
               <a:ext uri="{FF2B5EF4-FFF2-40B4-BE49-F238E27FC236}">
-                <a16:creationId xmlns:a16="http://schemas.microsoft.com/office/drawing/2014/main" id="{70B35862-84A9-1B94-E901-9135D21918BB}"/>
-              </a:ext>
-            </a:extLst>
-          </p:cNvPr>
-          <p:cNvSpPr>
-            <a:spLocks noGrp="1"/>
-          </p:cNvSpPr>
-          <p:nvPr>
-            <p:ph type="title"/>
+                <a16:creationId xmlns:a16="http://schemas.microsoft.com/office/drawing/2014/main" id="{57B97D32-93DA-598F-5F87-116C5FACD9E3}"/>
+              </a:ext>
+            </a:extLst>
+          </p:cNvPr>
+          <p:cNvSpPr>
+            <a:spLocks noGrp="1"/>
+          </p:cNvSpPr>
+          <p:nvPr>
+            <p:ph type="ctrTitle"/>
           </p:nvPr>
         </p:nvSpPr>
         <p:spPr/>
@@ -4530,43 +5607,35 @@
       </p:sp>
       <p:sp>
         <p:nvSpPr>
-          <p:cNvPr id="3" name="Content Placeholder 2">
-            <a:extLst>
-              <a:ext uri="{FF2B5EF4-FFF2-40B4-BE49-F238E27FC236}">
-                <a16:creationId xmlns:a16="http://schemas.microsoft.com/office/drawing/2014/main" id="{63735F6A-4CA9-B5AA-BCC2-048264E287DD}"/>
-              </a:ext>
-            </a:extLst>
-          </p:cNvPr>
-          <p:cNvSpPr>
-            <a:spLocks noGrp="1"/>
-          </p:cNvSpPr>
-          <p:nvPr>
-            <p:ph idx="1"/>
-          </p:nvPr>
-        </p:nvSpPr>
-        <p:spPr>
-          <a:xfrm>
-            <a:off x="0" y="0"/>
-            <a:ext cx="10515600" cy="4351338"/>
-          </a:xfrm>
-        </p:spPr>
+          <p:cNvPr id="3" name="Subtitle 2">
+            <a:extLst>
+              <a:ext uri="{FF2B5EF4-FFF2-40B4-BE49-F238E27FC236}">
+                <a16:creationId xmlns:a16="http://schemas.microsoft.com/office/drawing/2014/main" id="{3DAE16BC-08A9-B734-A269-42C9BF31F50F}"/>
+              </a:ext>
+            </a:extLst>
+          </p:cNvPr>
+          <p:cNvSpPr>
+            <a:spLocks noGrp="1"/>
+          </p:cNvSpPr>
+          <p:nvPr>
+            <p:ph type="subTitle" idx="1"/>
+          </p:nvPr>
+        </p:nvSpPr>
+        <p:spPr/>
         <p:txBody>
           <a:bodyPr/>
           <a:lstStyle/>
           <a:p>
-            <a:r>
-              <a:rPr lang="en-US" dirty="0"/>
-              <a:t>Noiseless Flat Beampattern w/ 22 Tx</a:t>
-            </a:r>
+            <a:endParaRPr lang="en-US"/>
           </a:p>
         </p:txBody>
       </p:sp>
       <p:pic>
         <p:nvPicPr>
-          <p:cNvPr id="6" name="Picture 5" descr="Chart, line chart&#10;&#10;Description automatically generated">
-            <a:extLst>
-              <a:ext uri="{FF2B5EF4-FFF2-40B4-BE49-F238E27FC236}">
-                <a16:creationId xmlns:a16="http://schemas.microsoft.com/office/drawing/2014/main" id="{784E9A33-81D4-D7E5-A2F7-51BE7F67FEB7}"/>
+          <p:cNvPr id="5" name="Picture 4" descr="Chart, scatter chart&#10;&#10;Description automatically generated">
+            <a:extLst>
+              <a:ext uri="{FF2B5EF4-FFF2-40B4-BE49-F238E27FC236}">
+                <a16:creationId xmlns:a16="http://schemas.microsoft.com/office/drawing/2014/main" id="{1B2FE7F9-AD5C-3386-FAF3-11FB7E5C6CA4}"/>
               </a:ext>
             </a:extLst>
           </p:cNvPr>
@@ -4575,7 +5644,7 @@
           </p:cNvPicPr>
           <p:nvPr/>
         </p:nvPicPr>
-        <p:blipFill rotWithShape="1">
+        <p:blipFill>
           <a:blip r:embed="rId2">
             <a:extLst>
               <a:ext uri="{28A0092B-C50C-407E-A947-70E740481C1C}">
@@ -4583,13 +5652,14 @@
               </a:ext>
             </a:extLst>
           </a:blip>
-          <a:srcRect l="7656" r="8751"/>
-          <a:stretch/>
+          <a:stretch>
+            <a:fillRect/>
+          </a:stretch>
         </p:blipFill>
         <p:spPr>
           <a:xfrm>
-            <a:off x="4400550" y="3351848"/>
-            <a:ext cx="7791450" cy="3506152"/>
+            <a:off x="284917" y="1257800"/>
+            <a:ext cx="5333333" cy="4000000"/>
           </a:xfrm>
           <a:prstGeom prst="rect">
             <a:avLst/>
@@ -4598,10 +5668,10 @@
       </p:pic>
       <p:pic>
         <p:nvPicPr>
-          <p:cNvPr id="8" name="Picture 7" descr="Chart, line chart&#10;&#10;Description automatically generated">
-            <a:extLst>
-              <a:ext uri="{FF2B5EF4-FFF2-40B4-BE49-F238E27FC236}">
-                <a16:creationId xmlns:a16="http://schemas.microsoft.com/office/drawing/2014/main" id="{5A2DF40E-D475-9902-0BD7-8D4CB8E7EA60}"/>
+          <p:cNvPr id="8" name="Picture 7" descr="Chart, scatter chart&#10;&#10;Description automatically generated">
+            <a:extLst>
+              <a:ext uri="{FF2B5EF4-FFF2-40B4-BE49-F238E27FC236}">
+                <a16:creationId xmlns:a16="http://schemas.microsoft.com/office/drawing/2014/main" id="{34FD2B88-75B9-8956-6D04-0215CC4885B9}"/>
               </a:ext>
             </a:extLst>
           </p:cNvPr>
@@ -4610,7 +5680,7 @@
           </p:cNvPicPr>
           <p:nvPr/>
         </p:nvPicPr>
-        <p:blipFill rotWithShape="1">
+        <p:blipFill>
           <a:blip r:embed="rId3">
             <a:extLst>
               <a:ext uri="{28A0092B-C50C-407E-A947-70E740481C1C}">
@@ -4618,23 +5688,73 @@
               </a:ext>
             </a:extLst>
           </a:blip>
-          <a:srcRect l="7734" r="6875"/>
-          <a:stretch/>
+          <a:stretch>
+            <a:fillRect/>
+          </a:stretch>
         </p:blipFill>
         <p:spPr>
           <a:xfrm>
-            <a:off x="91735" y="365125"/>
-            <a:ext cx="6956765" cy="3064668"/>
+            <a:off x="6034510" y="1270230"/>
+            <a:ext cx="5333333" cy="4000000"/>
           </a:xfrm>
           <a:prstGeom prst="rect">
             <a:avLst/>
           </a:prstGeom>
         </p:spPr>
       </p:pic>
+      <p:sp>
+        <p:nvSpPr>
+          <p:cNvPr id="4" name="TextBox 3">
+            <a:extLst>
+              <a:ext uri="{FF2B5EF4-FFF2-40B4-BE49-F238E27FC236}">
+                <a16:creationId xmlns:a16="http://schemas.microsoft.com/office/drawing/2014/main" id="{13A56CA0-2890-000F-FFAF-7CA20141DE6E}"/>
+              </a:ext>
+            </a:extLst>
+          </p:cNvPr>
+          <p:cNvSpPr txBox="1"/>
+          <p:nvPr/>
+        </p:nvSpPr>
+        <p:spPr>
+          <a:xfrm>
+            <a:off x="0" y="0"/>
+            <a:ext cx="8832483" cy="646331"/>
+          </a:xfrm>
+          <a:prstGeom prst="rect">
+            <a:avLst/>
+          </a:prstGeom>
+          <a:noFill/>
+        </p:spPr>
+        <p:txBody>
+          <a:bodyPr wrap="none" rtlCol="0">
+            <a:spAutoFit/>
+          </a:bodyPr>
+          <a:lstStyle/>
+          <a:p>
+            <a:pPr marL="285750" indent="-285750">
+              <a:buFont typeface="Arial" panose="020B0604020202020204" pitchFamily="34" charset="0"/>
+              <a:buChar char="•"/>
+            </a:pPr>
+            <a:r>
+              <a:rPr lang="en-US" dirty="0"/>
+              <a:t>Initial experiment: randomly placed agents, SBL to prune, IPG to further optimize weights</a:t>
+            </a:r>
+          </a:p>
+          <a:p>
+            <a:pPr marL="285750" indent="-285750">
+              <a:buFont typeface="Arial" panose="020B0604020202020204" pitchFamily="34" charset="0"/>
+              <a:buChar char="•"/>
+            </a:pPr>
+            <a:r>
+              <a:rPr lang="en-US" dirty="0"/>
+              <a:t>38 reference agents (used to form beam) &lt; 36 test agents (used in optimizer)</a:t>
+            </a:r>
+          </a:p>
+        </p:txBody>
+      </p:sp>
     </p:spTree>
     <p:extLst>
       <p:ext uri="{BB962C8B-B14F-4D97-AF65-F5344CB8AC3E}">
-        <p14:creationId xmlns:p14="http://schemas.microsoft.com/office/powerpoint/2010/main" val="445807490"/>
+        <p14:creationId xmlns:p14="http://schemas.microsoft.com/office/powerpoint/2010/main" val="3609682901"/>
       </p:ext>
     </p:extLst>
   </p:cSld>
@@ -4661,70 +5781,47 @@
           <a:chExt cx="0" cy="0"/>
         </a:xfrm>
       </p:grpSpPr>
-      <p:sp>
-        <p:nvSpPr>
-          <p:cNvPr id="2" name="Title 1">
-            <a:extLst>
-              <a:ext uri="{FF2B5EF4-FFF2-40B4-BE49-F238E27FC236}">
-                <a16:creationId xmlns:a16="http://schemas.microsoft.com/office/drawing/2014/main" id="{70B35862-84A9-1B94-E901-9135D21918BB}"/>
-              </a:ext>
-            </a:extLst>
-          </p:cNvPr>
-          <p:cNvSpPr>
-            <a:spLocks noGrp="1"/>
-          </p:cNvSpPr>
-          <p:nvPr>
-            <p:ph type="title"/>
-          </p:nvPr>
-        </p:nvSpPr>
-        <p:spPr/>
-        <p:txBody>
-          <a:bodyPr/>
-          <a:lstStyle/>
-          <a:p>
-            <a:endParaRPr lang="en-US"/>
-          </a:p>
-        </p:txBody>
-      </p:sp>
-      <p:sp>
-        <p:nvSpPr>
-          <p:cNvPr id="3" name="Content Placeholder 2">
-            <a:extLst>
-              <a:ext uri="{FF2B5EF4-FFF2-40B4-BE49-F238E27FC236}">
-                <a16:creationId xmlns:a16="http://schemas.microsoft.com/office/drawing/2014/main" id="{63735F6A-4CA9-B5AA-BCC2-048264E287DD}"/>
-              </a:ext>
-            </a:extLst>
-          </p:cNvPr>
-          <p:cNvSpPr>
-            <a:spLocks noGrp="1"/>
-          </p:cNvSpPr>
-          <p:nvPr>
-            <p:ph idx="1"/>
-          </p:nvPr>
-        </p:nvSpPr>
-        <p:spPr>
-          <a:xfrm>
-            <a:off x="0" y="0"/>
-            <a:ext cx="10515600" cy="4351338"/>
-          </a:xfrm>
-        </p:spPr>
-        <p:txBody>
-          <a:bodyPr/>
-          <a:lstStyle/>
-          <a:p>
-            <a:r>
-              <a:rPr lang="en-US" dirty="0"/>
-              <a:t>Noiseless Sampled Beampattern w/ 22 Tx</a:t>
-            </a:r>
-          </a:p>
-        </p:txBody>
-      </p:sp>
       <p:pic>
         <p:nvPicPr>
-          <p:cNvPr id="5" name="Picture 4" descr="Chart&#10;&#10;Description automatically generated">
-            <a:extLst>
-              <a:ext uri="{FF2B5EF4-FFF2-40B4-BE49-F238E27FC236}">
-                <a16:creationId xmlns:a16="http://schemas.microsoft.com/office/drawing/2014/main" id="{135EF43A-6EAF-AA44-1D86-EEBB8DEDFEA9}"/>
+          <p:cNvPr id="5" name="Content Placeholder 4" descr="Chart, histogram&#10;&#10;Description automatically generated">
+            <a:extLst>
+              <a:ext uri="{FF2B5EF4-FFF2-40B4-BE49-F238E27FC236}">
+                <a16:creationId xmlns:a16="http://schemas.microsoft.com/office/drawing/2014/main" id="{634B6E58-77D4-83B1-9C5A-19CA12BE8935}"/>
+              </a:ext>
+            </a:extLst>
+          </p:cNvPr>
+          <p:cNvPicPr>
+            <a:picLocks noGrp="1" noChangeAspect="1"/>
+          </p:cNvPicPr>
+          <p:nvPr>
+            <p:ph idx="1"/>
+          </p:nvPr>
+        </p:nvPicPr>
+        <p:blipFill>
+          <a:blip r:embed="rId2">
+            <a:extLst>
+              <a:ext uri="{28A0092B-C50C-407E-A947-70E740481C1C}">
+                <a14:useLocalDpi xmlns:a14="http://schemas.microsoft.com/office/drawing/2010/main" val="0"/>
+              </a:ext>
+            </a:extLst>
+          </a:blip>
+          <a:stretch>
+            <a:fillRect/>
+          </a:stretch>
+        </p:blipFill>
+        <p:spPr>
+          <a:xfrm>
+            <a:off x="5911276" y="1398484"/>
+            <a:ext cx="5333333" cy="4000000"/>
+          </a:xfrm>
+        </p:spPr>
+      </p:pic>
+      <p:pic>
+        <p:nvPicPr>
+          <p:cNvPr id="7" name="Picture 6" descr="Chart, line chart&#10;&#10;Description automatically generated">
+            <a:extLst>
+              <a:ext uri="{FF2B5EF4-FFF2-40B4-BE49-F238E27FC236}">
+                <a16:creationId xmlns:a16="http://schemas.microsoft.com/office/drawing/2014/main" id="{FEED1B38-9556-855B-75F9-118105B92600}"/>
               </a:ext>
             </a:extLst>
           </p:cNvPr>
@@ -4733,66 +5830,151 @@
           </p:cNvPicPr>
           <p:nvPr/>
         </p:nvPicPr>
-        <p:blipFill rotWithShape="1">
-          <a:blip r:embed="rId2">
+        <p:blipFill>
+          <a:blip r:embed="rId3">
             <a:extLst>
               <a:ext uri="{28A0092B-C50C-407E-A947-70E740481C1C}">
                 <a14:useLocalDpi xmlns:a14="http://schemas.microsoft.com/office/drawing/2010/main" val="0"/>
               </a:ext>
             </a:extLst>
           </a:blip>
-          <a:srcRect l="8750" r="6875"/>
-          <a:stretch/>
+          <a:stretch>
+            <a:fillRect/>
+          </a:stretch>
         </p:blipFill>
         <p:spPr>
           <a:xfrm>
-            <a:off x="0" y="365126"/>
-            <a:ext cx="6696075" cy="2985333"/>
+            <a:off x="462198" y="1398484"/>
+            <a:ext cx="5333333" cy="4000000"/>
           </a:xfrm>
           <a:prstGeom prst="rect">
             <a:avLst/>
           </a:prstGeom>
         </p:spPr>
       </p:pic>
-      <p:pic>
-        <p:nvPicPr>
-          <p:cNvPr id="9" name="Picture 8" descr="Chart, line chart&#10;&#10;Description automatically generated">
-            <a:extLst>
-              <a:ext uri="{FF2B5EF4-FFF2-40B4-BE49-F238E27FC236}">
-                <a16:creationId xmlns:a16="http://schemas.microsoft.com/office/drawing/2014/main" id="{EE663977-3F40-FDEF-4C25-620D33D88D2E}"/>
-              </a:ext>
-            </a:extLst>
-          </p:cNvPr>
-          <p:cNvPicPr>
-            <a:picLocks noChangeAspect="1"/>
-          </p:cNvPicPr>
+      <p:sp>
+        <p:nvSpPr>
+          <p:cNvPr id="3" name="TextBox 2">
+            <a:extLst>
+              <a:ext uri="{FF2B5EF4-FFF2-40B4-BE49-F238E27FC236}">
+                <a16:creationId xmlns:a16="http://schemas.microsoft.com/office/drawing/2014/main" id="{C03A1D47-5027-92EB-F3A7-F4F336E47E8E}"/>
+              </a:ext>
+            </a:extLst>
+          </p:cNvPr>
+          <p:cNvSpPr txBox="1"/>
           <p:nvPr/>
-        </p:nvPicPr>
-        <p:blipFill rotWithShape="1">
-          <a:blip r:embed="rId3">
-            <a:extLst>
-              <a:ext uri="{28A0092B-C50C-407E-A947-70E740481C1C}">
-                <a14:useLocalDpi xmlns:a14="http://schemas.microsoft.com/office/drawing/2010/main" val="0"/>
-              </a:ext>
-            </a:extLst>
-          </a:blip>
-          <a:srcRect l="7657" r="8281"/>
-          <a:stretch/>
-        </p:blipFill>
-        <p:spPr>
-          <a:xfrm>
-            <a:off x="4057651" y="3217955"/>
-            <a:ext cx="8134350" cy="3640045"/>
+        </p:nvSpPr>
+        <p:spPr>
+          <a:xfrm>
+            <a:off x="0" y="0"/>
+            <a:ext cx="8962069" cy="646331"/>
           </a:xfrm>
           <a:prstGeom prst="rect">
             <a:avLst/>
           </a:prstGeom>
-        </p:spPr>
-      </p:pic>
+          <a:noFill/>
+        </p:spPr>
+        <p:txBody>
+          <a:bodyPr wrap="none" rtlCol="0">
+            <a:spAutoFit/>
+          </a:bodyPr>
+          <a:lstStyle/>
+          <a:p>
+            <a:pPr marL="285750" indent="-285750">
+              <a:buFont typeface="Arial" panose="020B0604020202020204" pitchFamily="34" charset="0"/>
+              <a:buChar char="•"/>
+            </a:pPr>
+            <a:r>
+              <a:rPr lang="en-US" dirty="0"/>
+              <a:t>Speed gain consistent with having fewer overall agents</a:t>
+            </a:r>
+          </a:p>
+          <a:p>
+            <a:pPr marL="285750" indent="-285750">
+              <a:buFont typeface="Arial" panose="020B0604020202020204" pitchFamily="34" charset="0"/>
+              <a:buChar char="•"/>
+            </a:pPr>
+            <a:r>
+              <a:rPr lang="en-US" dirty="0"/>
+              <a:t>Random agent grids caused divergences with one level IPG, no divergences under two level</a:t>
+            </a:r>
+          </a:p>
+        </p:txBody>
+      </p:sp>
+      <p:sp>
+        <p:nvSpPr>
+          <p:cNvPr id="4" name="TextBox 3">
+            <a:extLst>
+              <a:ext uri="{FF2B5EF4-FFF2-40B4-BE49-F238E27FC236}">
+                <a16:creationId xmlns:a16="http://schemas.microsoft.com/office/drawing/2014/main" id="{9EFE604E-C645-AEFD-B1E8-F752AF5BE863}"/>
+              </a:ext>
+            </a:extLst>
+          </p:cNvPr>
+          <p:cNvSpPr txBox="1"/>
+          <p:nvPr/>
+        </p:nvSpPr>
+        <p:spPr>
+          <a:xfrm>
+            <a:off x="2633375" y="1111325"/>
+            <a:ext cx="990977" cy="369332"/>
+          </a:xfrm>
+          <a:prstGeom prst="rect">
+            <a:avLst/>
+          </a:prstGeom>
+          <a:noFill/>
+        </p:spPr>
+        <p:txBody>
+          <a:bodyPr wrap="none" rtlCol="0">
+            <a:spAutoFit/>
+          </a:bodyPr>
+          <a:lstStyle/>
+          <a:p>
+            <a:r>
+              <a:rPr lang="en-US" dirty="0"/>
+              <a:t>IPG Only</a:t>
+            </a:r>
+          </a:p>
+        </p:txBody>
+      </p:sp>
+      <p:sp>
+        <p:nvSpPr>
+          <p:cNvPr id="6" name="TextBox 5">
+            <a:extLst>
+              <a:ext uri="{FF2B5EF4-FFF2-40B4-BE49-F238E27FC236}">
+                <a16:creationId xmlns:a16="http://schemas.microsoft.com/office/drawing/2014/main" id="{09FA99F4-03E0-BBFB-7A06-91062F36F4FE}"/>
+              </a:ext>
+            </a:extLst>
+          </p:cNvPr>
+          <p:cNvSpPr txBox="1"/>
+          <p:nvPr/>
+        </p:nvSpPr>
+        <p:spPr>
+          <a:xfrm>
+            <a:off x="8082453" y="1115303"/>
+            <a:ext cx="1358064" cy="369332"/>
+          </a:xfrm>
+          <a:prstGeom prst="rect">
+            <a:avLst/>
+          </a:prstGeom>
+          <a:noFill/>
+        </p:spPr>
+        <p:txBody>
+          <a:bodyPr wrap="none" rtlCol="0">
+            <a:spAutoFit/>
+          </a:bodyPr>
+          <a:lstStyle/>
+          <a:p>
+            <a:r>
+              <a:rPr lang="en-US" dirty="0"/>
+              <a:t>IPG with SBL</a:t>
+            </a:r>
+          </a:p>
+        </p:txBody>
+      </p:sp>
     </p:spTree>
     <p:extLst>
       <p:ext uri="{BB962C8B-B14F-4D97-AF65-F5344CB8AC3E}">
-        <p14:creationId xmlns:p14="http://schemas.microsoft.com/office/powerpoint/2010/main" val="2148706509"/>
+        <p14:creationId xmlns:p14="http://schemas.microsoft.com/office/powerpoint/2010/main" val="164093334"/>
       </p:ext>
     </p:extLst>
   </p:cSld>
@@ -4819,70 +6001,12 @@
           <a:chExt cx="0" cy="0"/>
         </a:xfrm>
       </p:grpSpPr>
-      <p:sp>
-        <p:nvSpPr>
-          <p:cNvPr id="2" name="Title 1">
-            <a:extLst>
-              <a:ext uri="{FF2B5EF4-FFF2-40B4-BE49-F238E27FC236}">
-                <a16:creationId xmlns:a16="http://schemas.microsoft.com/office/drawing/2014/main" id="{70B35862-84A9-1B94-E901-9135D21918BB}"/>
-              </a:ext>
-            </a:extLst>
-          </p:cNvPr>
-          <p:cNvSpPr>
-            <a:spLocks noGrp="1"/>
-          </p:cNvSpPr>
-          <p:nvPr>
-            <p:ph type="title"/>
-          </p:nvPr>
-        </p:nvSpPr>
-        <p:spPr/>
-        <p:txBody>
-          <a:bodyPr/>
-          <a:lstStyle/>
-          <a:p>
-            <a:endParaRPr lang="en-US"/>
-          </a:p>
-        </p:txBody>
-      </p:sp>
-      <p:sp>
-        <p:nvSpPr>
-          <p:cNvPr id="3" name="Content Placeholder 2">
-            <a:extLst>
-              <a:ext uri="{FF2B5EF4-FFF2-40B4-BE49-F238E27FC236}">
-                <a16:creationId xmlns:a16="http://schemas.microsoft.com/office/drawing/2014/main" id="{63735F6A-4CA9-B5AA-BCC2-048264E287DD}"/>
-              </a:ext>
-            </a:extLst>
-          </p:cNvPr>
-          <p:cNvSpPr>
-            <a:spLocks noGrp="1"/>
-          </p:cNvSpPr>
-          <p:nvPr>
-            <p:ph idx="1"/>
-          </p:nvPr>
-        </p:nvSpPr>
-        <p:spPr>
-          <a:xfrm>
-            <a:off x="0" y="0"/>
-            <a:ext cx="10515600" cy="4351338"/>
-          </a:xfrm>
-        </p:spPr>
-        <p:txBody>
-          <a:bodyPr/>
-          <a:lstStyle/>
-          <a:p>
-            <a:r>
-              <a:rPr lang="en-US" dirty="0"/>
-              <a:t>Noisy Sampled Beampattern w/8 Tx</a:t>
-            </a:r>
-          </a:p>
-        </p:txBody>
-      </p:sp>
       <p:pic>
         <p:nvPicPr>
-          <p:cNvPr id="6" name="Picture 5" descr="Chart&#10;&#10;Description automatically generated">
-            <a:extLst>
-              <a:ext uri="{FF2B5EF4-FFF2-40B4-BE49-F238E27FC236}">
-                <a16:creationId xmlns:a16="http://schemas.microsoft.com/office/drawing/2014/main" id="{9BA5161F-D54B-1B40-D8CA-854722EA44E7}"/>
+          <p:cNvPr id="7" name="Picture 6" descr="Diagram&#10;&#10;Description automatically generated">
+            <a:extLst>
+              <a:ext uri="{FF2B5EF4-FFF2-40B4-BE49-F238E27FC236}">
+                <a16:creationId xmlns:a16="http://schemas.microsoft.com/office/drawing/2014/main" id="{F512E3D9-85F6-2084-1ADA-2C38310E89A0}"/>
               </a:ext>
             </a:extLst>
           </p:cNvPr>
@@ -4891,7 +6015,7 @@
           </p:cNvPicPr>
           <p:nvPr/>
         </p:nvPicPr>
-        <p:blipFill rotWithShape="1">
+        <p:blipFill>
           <a:blip r:embed="rId2">
             <a:extLst>
               <a:ext uri="{28A0092B-C50C-407E-A947-70E740481C1C}">
@@ -4899,13 +6023,14 @@
               </a:ext>
             </a:extLst>
           </a:blip>
-          <a:srcRect l="6875" r="8047"/>
-          <a:stretch/>
+          <a:stretch>
+            <a:fillRect/>
+          </a:stretch>
         </p:blipFill>
         <p:spPr>
           <a:xfrm>
-            <a:off x="0" y="365126"/>
-            <a:ext cx="7000875" cy="3095428"/>
+            <a:off x="5655157" y="1520890"/>
+            <a:ext cx="6226398" cy="4669798"/>
           </a:xfrm>
           <a:prstGeom prst="rect">
             <a:avLst/>
@@ -4914,19 +6039,21 @@
       </p:pic>
       <p:pic>
         <p:nvPicPr>
-          <p:cNvPr id="8" name="Picture 7" descr="Chart, line chart&#10;&#10;Description automatically generated">
-            <a:extLst>
-              <a:ext uri="{FF2B5EF4-FFF2-40B4-BE49-F238E27FC236}">
-                <a16:creationId xmlns:a16="http://schemas.microsoft.com/office/drawing/2014/main" id="{CBD705DC-A273-C236-13C5-B07C8DDB6354}"/>
+          <p:cNvPr id="15" name="Content Placeholder 14" descr="Chart&#10;&#10;Description automatically generated">
+            <a:extLst>
+              <a:ext uri="{FF2B5EF4-FFF2-40B4-BE49-F238E27FC236}">
+                <a16:creationId xmlns:a16="http://schemas.microsoft.com/office/drawing/2014/main" id="{18DF4AA7-9C50-0456-3D5A-8DDDAF994CA7}"/>
               </a:ext>
             </a:extLst>
           </p:cNvPr>
           <p:cNvPicPr>
-            <a:picLocks noChangeAspect="1"/>
+            <a:picLocks noGrp="1" noChangeAspect="1"/>
           </p:cNvPicPr>
-          <p:nvPr/>
+          <p:nvPr>
+            <p:ph idx="1"/>
+          </p:nvPr>
         </p:nvPicPr>
-        <p:blipFill rotWithShape="1">
+        <p:blipFill>
           <a:blip r:embed="rId3">
             <a:extLst>
               <a:ext uri="{28A0092B-C50C-407E-A947-70E740481C1C}">
@@ -4934,23 +6061,130 @@
               </a:ext>
             </a:extLst>
           </a:blip>
-          <a:srcRect l="6875" r="8515"/>
-          <a:stretch/>
+          <a:stretch>
+            <a:fillRect/>
+          </a:stretch>
         </p:blipFill>
         <p:spPr>
           <a:xfrm>
-            <a:off x="4191000" y="3315591"/>
-            <a:ext cx="7967662" cy="3542409"/>
+            <a:off x="321824" y="1855789"/>
+            <a:ext cx="5333333" cy="4000000"/>
+          </a:xfrm>
+        </p:spPr>
+      </p:pic>
+      <p:sp>
+        <p:nvSpPr>
+          <p:cNvPr id="3" name="TextBox 2">
+            <a:extLst>
+              <a:ext uri="{FF2B5EF4-FFF2-40B4-BE49-F238E27FC236}">
+                <a16:creationId xmlns:a16="http://schemas.microsoft.com/office/drawing/2014/main" id="{2D7149A2-A498-C657-7286-1456567F9F97}"/>
+              </a:ext>
+            </a:extLst>
+          </p:cNvPr>
+          <p:cNvSpPr txBox="1"/>
+          <p:nvPr/>
+        </p:nvSpPr>
+        <p:spPr>
+          <a:xfrm>
+            <a:off x="0" y="0"/>
+            <a:ext cx="4772845" cy="369332"/>
           </a:xfrm>
           <a:prstGeom prst="rect">
             <a:avLst/>
           </a:prstGeom>
-        </p:spPr>
-      </p:pic>
+          <a:noFill/>
+        </p:spPr>
+        <p:txBody>
+          <a:bodyPr wrap="none" rtlCol="0">
+            <a:spAutoFit/>
+          </a:bodyPr>
+          <a:lstStyle/>
+          <a:p>
+            <a:pPr marL="285750" indent="-285750">
+              <a:buFont typeface="Arial" panose="020B0604020202020204" pitchFamily="34" charset="0"/>
+              <a:buChar char="•"/>
+            </a:pPr>
+            <a:r>
+              <a:rPr lang="en-US" dirty="0"/>
+              <a:t>Faster error reduction without pruning agents</a:t>
+            </a:r>
+          </a:p>
+        </p:txBody>
+      </p:sp>
+      <p:sp>
+        <p:nvSpPr>
+          <p:cNvPr id="4" name="TextBox 3">
+            <a:extLst>
+              <a:ext uri="{FF2B5EF4-FFF2-40B4-BE49-F238E27FC236}">
+                <a16:creationId xmlns:a16="http://schemas.microsoft.com/office/drawing/2014/main" id="{05B6C1D3-040E-67FA-58EB-5B98E799EF2C}"/>
+              </a:ext>
+            </a:extLst>
+          </p:cNvPr>
+          <p:cNvSpPr txBox="1"/>
+          <p:nvPr/>
+        </p:nvSpPr>
+        <p:spPr>
+          <a:xfrm>
+            <a:off x="2493001" y="1151558"/>
+            <a:ext cx="990977" cy="369332"/>
+          </a:xfrm>
+          <a:prstGeom prst="rect">
+            <a:avLst/>
+          </a:prstGeom>
+          <a:noFill/>
+        </p:spPr>
+        <p:txBody>
+          <a:bodyPr wrap="none" rtlCol="0">
+            <a:spAutoFit/>
+          </a:bodyPr>
+          <a:lstStyle/>
+          <a:p>
+            <a:r>
+              <a:rPr lang="en-US" dirty="0"/>
+              <a:t>IPG Only</a:t>
+            </a:r>
+          </a:p>
+        </p:txBody>
+      </p:sp>
+      <p:sp>
+        <p:nvSpPr>
+          <p:cNvPr id="5" name="TextBox 4">
+            <a:extLst>
+              <a:ext uri="{FF2B5EF4-FFF2-40B4-BE49-F238E27FC236}">
+                <a16:creationId xmlns:a16="http://schemas.microsoft.com/office/drawing/2014/main" id="{517A7A5B-CD74-6375-BC74-384A486BD46B}"/>
+              </a:ext>
+            </a:extLst>
+          </p:cNvPr>
+          <p:cNvSpPr txBox="1"/>
+          <p:nvPr/>
+        </p:nvSpPr>
+        <p:spPr>
+          <a:xfrm>
+            <a:off x="8340935" y="1151558"/>
+            <a:ext cx="1358064" cy="369332"/>
+          </a:xfrm>
+          <a:prstGeom prst="rect">
+            <a:avLst/>
+          </a:prstGeom>
+          <a:noFill/>
+        </p:spPr>
+        <p:txBody>
+          <a:bodyPr wrap="none" rtlCol="0">
+            <a:spAutoFit/>
+          </a:bodyPr>
+          <a:lstStyle/>
+          <a:p>
+            <a:r>
+              <a:rPr lang="en-US" dirty="0"/>
+              <a:t>IPG with SBL</a:t>
+            </a:r>
+          </a:p>
+        </p:txBody>
+      </p:sp>
     </p:spTree>
     <p:extLst>
       <p:ext uri="{BB962C8B-B14F-4D97-AF65-F5344CB8AC3E}">
-        <p14:creationId xmlns:p14="http://schemas.microsoft.com/office/powerpoint/2010/main" val="2456158383"/>
+        <p14:creationId xmlns:p14="http://schemas.microsoft.com/office/powerpoint/2010/main" val="1873573792"/>
       </p:ext>
     </p:extLst>
   </p:cSld>
@@ -4979,43 +6213,59 @@
       </p:grpSpPr>
       <p:sp>
         <p:nvSpPr>
-          <p:cNvPr id="3" name="Content Placeholder 2">
-            <a:extLst>
-              <a:ext uri="{FF2B5EF4-FFF2-40B4-BE49-F238E27FC236}">
-                <a16:creationId xmlns:a16="http://schemas.microsoft.com/office/drawing/2014/main" id="{63735F6A-4CA9-B5AA-BCC2-048264E287DD}"/>
-              </a:ext>
-            </a:extLst>
-          </p:cNvPr>
-          <p:cNvSpPr>
-            <a:spLocks noGrp="1"/>
-          </p:cNvSpPr>
-          <p:nvPr>
-            <p:ph idx="1"/>
-          </p:nvPr>
+          <p:cNvPr id="6" name="TextBox 5">
+            <a:extLst>
+              <a:ext uri="{FF2B5EF4-FFF2-40B4-BE49-F238E27FC236}">
+                <a16:creationId xmlns:a16="http://schemas.microsoft.com/office/drawing/2014/main" id="{AC457FE2-5A25-FE4A-F315-0330DE57F93C}"/>
+              </a:ext>
+            </a:extLst>
+          </p:cNvPr>
+          <p:cNvSpPr txBox="1"/>
+          <p:nvPr/>
         </p:nvSpPr>
         <p:spPr>
           <a:xfrm>
             <a:off x="0" y="0"/>
-            <a:ext cx="10515600" cy="4351338"/>
-          </a:xfrm>
-        </p:spPr>
-        <p:txBody>
-          <a:bodyPr/>
-          <a:lstStyle/>
-          <a:p>
+            <a:ext cx="10731977" cy="646331"/>
+          </a:xfrm>
+          <a:prstGeom prst="rect">
+            <a:avLst/>
+          </a:prstGeom>
+          <a:noFill/>
+        </p:spPr>
+        <p:txBody>
+          <a:bodyPr wrap="none" rtlCol="0">
+            <a:spAutoFit/>
+          </a:bodyPr>
+          <a:lstStyle/>
+          <a:p>
+            <a:pPr marL="285750" indent="-285750">
+              <a:buFont typeface="Arial" panose="020B0604020202020204" pitchFamily="34" charset="0"/>
+              <a:buChar char="•"/>
+            </a:pPr>
             <a:r>
               <a:rPr lang="en-US" dirty="0"/>
-              <a:t>Noiseless Sampled Beampattern w/8 Tx</a:t>
+              <a:t>Ran two level (SBL + IPG for weights) on 36 node grid data</a:t>
+            </a:r>
+          </a:p>
+          <a:p>
+            <a:pPr marL="285750" indent="-285750">
+              <a:buFont typeface="Arial" panose="020B0604020202020204" pitchFamily="34" charset="0"/>
+              <a:buChar char="•"/>
+            </a:pPr>
+            <a:r>
+              <a:rPr lang="en-US" dirty="0"/>
+              <a:t>Very good performance – able to match beam formed by 38 agents after pruning down to 30 agents in test set</a:t>
             </a:r>
           </a:p>
         </p:txBody>
       </p:sp>
       <p:pic>
         <p:nvPicPr>
-          <p:cNvPr id="5" name="Picture 4" descr="Chart, line chart&#10;&#10;Description automatically generated">
-            <a:extLst>
-              <a:ext uri="{FF2B5EF4-FFF2-40B4-BE49-F238E27FC236}">
-                <a16:creationId xmlns:a16="http://schemas.microsoft.com/office/drawing/2014/main" id="{DB34AC4B-2DE1-8CF9-7EF2-1C02EC8B41B0}"/>
+          <p:cNvPr id="8" name="Picture 7" descr="Chart, line chart&#10;&#10;Description automatically generated">
+            <a:extLst>
+              <a:ext uri="{FF2B5EF4-FFF2-40B4-BE49-F238E27FC236}">
+                <a16:creationId xmlns:a16="http://schemas.microsoft.com/office/drawing/2014/main" id="{1ABAD988-ABDC-5D72-E399-E581A3A15137}"/>
               </a:ext>
             </a:extLst>
           </p:cNvPr>
@@ -5032,13 +6282,13 @@
               </a:ext>
             </a:extLst>
           </a:blip>
-          <a:srcRect l="8125" r="8515"/>
+          <a:srcRect l="3789" t="2654" r="8284"/>
           <a:stretch/>
         </p:blipFill>
         <p:spPr>
           <a:xfrm>
-            <a:off x="4791075" y="3518220"/>
-            <a:ext cx="7400925" cy="3339780"/>
+            <a:off x="36354" y="646332"/>
+            <a:ext cx="4393039" cy="3647698"/>
           </a:xfrm>
           <a:prstGeom prst="rect">
             <a:avLst/>
@@ -5047,10 +6297,10 @@
       </p:pic>
       <p:pic>
         <p:nvPicPr>
-          <p:cNvPr id="9" name="Picture 8" descr="Chart&#10;&#10;Description automatically generated">
-            <a:extLst>
-              <a:ext uri="{FF2B5EF4-FFF2-40B4-BE49-F238E27FC236}">
-                <a16:creationId xmlns:a16="http://schemas.microsoft.com/office/drawing/2014/main" id="{22B8AB30-21B8-AC46-14C6-11EFCC5FB952}"/>
+          <p:cNvPr id="5" name="Picture 4" descr="Chart, line chart&#10;&#10;Description automatically generated">
+            <a:extLst>
+              <a:ext uri="{FF2B5EF4-FFF2-40B4-BE49-F238E27FC236}">
+                <a16:creationId xmlns:a16="http://schemas.microsoft.com/office/drawing/2014/main" id="{2ADEDCEE-F137-855D-A25A-80DFA9DB5129}"/>
               </a:ext>
             </a:extLst>
           </p:cNvPr>
@@ -5067,13 +6317,48 @@
               </a:ext>
             </a:extLst>
           </a:blip>
-          <a:srcRect l="7031" r="7734"/>
+          <a:srcRect l="4156" t="2654" r="5558"/>
           <a:stretch/>
         </p:blipFill>
         <p:spPr>
           <a:xfrm>
-            <a:off x="0" y="381242"/>
-            <a:ext cx="7115175" cy="3140199"/>
+            <a:off x="7852095" y="646332"/>
+            <a:ext cx="4393039" cy="3552374"/>
+          </a:xfrm>
+          <a:prstGeom prst="rect">
+            <a:avLst/>
+          </a:prstGeom>
+        </p:spPr>
+      </p:pic>
+      <p:pic>
+        <p:nvPicPr>
+          <p:cNvPr id="10" name="Picture 9" descr="Chart, scatter chart&#10;&#10;Description automatically generated">
+            <a:extLst>
+              <a:ext uri="{FF2B5EF4-FFF2-40B4-BE49-F238E27FC236}">
+                <a16:creationId xmlns:a16="http://schemas.microsoft.com/office/drawing/2014/main" id="{69742CFD-55EC-BAE3-F466-9DD93A180A67}"/>
+              </a:ext>
+            </a:extLst>
+          </p:cNvPr>
+          <p:cNvPicPr>
+            <a:picLocks noChangeAspect="1"/>
+          </p:cNvPicPr>
+          <p:nvPr/>
+        </p:nvPicPr>
+        <p:blipFill rotWithShape="1">
+          <a:blip r:embed="rId4">
+            <a:extLst>
+              <a:ext uri="{28A0092B-C50C-407E-A947-70E740481C1C}">
+                <a14:useLocalDpi xmlns:a14="http://schemas.microsoft.com/office/drawing/2010/main" val="0"/>
+              </a:ext>
+            </a:extLst>
+          </a:blip>
+          <a:srcRect l="6796" t="2654" r="7321" b="5276"/>
+          <a:stretch/>
+        </p:blipFill>
+        <p:spPr>
+          <a:xfrm>
+            <a:off x="4429393" y="3829954"/>
+            <a:ext cx="3745693" cy="3011648"/>
           </a:xfrm>
           <a:prstGeom prst="rect">
             <a:avLst/>
@@ -5083,7 +6368,7 @@
     </p:spTree>
     <p:extLst>
       <p:ext uri="{BB962C8B-B14F-4D97-AF65-F5344CB8AC3E}">
-        <p14:creationId xmlns:p14="http://schemas.microsoft.com/office/powerpoint/2010/main" val="1492626993"/>
+        <p14:creationId xmlns:p14="http://schemas.microsoft.com/office/powerpoint/2010/main" val="1111872613"/>
       </p:ext>
     </p:extLst>
   </p:cSld>
